--- a/Matlab Onramp/RL in MATLAB.pptx
+++ b/Matlab Onramp/RL in MATLAB.pptx
@@ -14,6 +14,7 @@
     <p:sldId id="262" r:id="rId8"/>
     <p:sldId id="263" r:id="rId9"/>
     <p:sldId id="264" r:id="rId10"/>
+    <p:sldId id="265" r:id="rId11"/>
   </p:sldIdLst>
   <p:sldSz cx="12192000" cy="6858000"/>
   <p:notesSz cx="6858000" cy="9144000"/>
@@ -112,6 +113,11 @@
       </a:defRPr>
     </a:lvl9pPr>
   </p:defaultTextStyle>
+  <p:extLst>
+    <p:ext uri="{EFAFB233-063F-42B5-8137-9DF3F51BA10A}">
+      <p15:sldGuideLst xmlns:p15="http://schemas.microsoft.com/office/powerpoint/2012/main"/>
+    </p:ext>
+  </p:extLst>
 </p:presentation>
 </file>
 
@@ -920,7 +926,7 @@
           <a:p>
             <a:fld id="{7CF0BCE0-945C-4FDF-95A1-2149B1FF5B83}" type="datetimeFigureOut">
               <a:rPr lang="en-US" smtClean="0"/>
-              <a:t>10/10/2024</a:t>
+              <a:t>10/14/2024</a:t>
             </a:fld>
             <a:endParaRPr lang="en-US"/>
           </a:p>
@@ -1647,7 +1653,7 @@
           <a:p>
             <a:fld id="{7CF0BCE0-945C-4FDF-95A1-2149B1FF5B83}" type="datetimeFigureOut">
               <a:rPr lang="en-US" smtClean="0"/>
-              <a:t>10/10/2024</a:t>
+              <a:t>10/14/2024</a:t>
             </a:fld>
             <a:endParaRPr lang="en-US"/>
           </a:p>
@@ -2520,7 +2526,7 @@
           <a:p>
             <a:fld id="{7CF0BCE0-945C-4FDF-95A1-2149B1FF5B83}" type="datetimeFigureOut">
               <a:rPr lang="en-US" smtClean="0"/>
-              <a:t>10/10/2024</a:t>
+              <a:t>10/14/2024</a:t>
             </a:fld>
             <a:endParaRPr lang="en-US"/>
           </a:p>
@@ -3224,7 +3230,7 @@
           <a:p>
             <a:fld id="{7CF0BCE0-945C-4FDF-95A1-2149B1FF5B83}" type="datetimeFigureOut">
               <a:rPr lang="en-US" smtClean="0"/>
-              <a:t>10/10/2024</a:t>
+              <a:t>10/14/2024</a:t>
             </a:fld>
             <a:endParaRPr lang="en-US"/>
           </a:p>
@@ -3934,7 +3940,7 @@
           <a:p>
             <a:fld id="{7CF0BCE0-945C-4FDF-95A1-2149B1FF5B83}" type="datetimeFigureOut">
               <a:rPr lang="en-US" smtClean="0"/>
-              <a:t>10/10/2024</a:t>
+              <a:t>10/14/2024</a:t>
             </a:fld>
             <a:endParaRPr lang="en-US" dirty="0"/>
           </a:p>
@@ -4871,7 +4877,7 @@
           <a:p>
             <a:fld id="{7CF0BCE0-945C-4FDF-95A1-2149B1FF5B83}" type="datetimeFigureOut">
               <a:rPr lang="en-US" smtClean="0"/>
-              <a:t>10/10/2024</a:t>
+              <a:t>10/14/2024</a:t>
             </a:fld>
             <a:endParaRPr lang="en-US"/>
           </a:p>
@@ -6091,7 +6097,7 @@
           <a:p>
             <a:fld id="{7CF0BCE0-945C-4FDF-95A1-2149B1FF5B83}" type="datetimeFigureOut">
               <a:rPr lang="en-US" smtClean="0"/>
-              <a:t>10/10/2024</a:t>
+              <a:t>10/14/2024</a:t>
             </a:fld>
             <a:endParaRPr lang="en-US"/>
           </a:p>
@@ -6757,7 +6763,7 @@
           <a:p>
             <a:fld id="{7CF0BCE0-945C-4FDF-95A1-2149B1FF5B83}" type="datetimeFigureOut">
               <a:rPr lang="en-US" smtClean="0"/>
-              <a:t>10/10/2024</a:t>
+              <a:t>10/14/2024</a:t>
             </a:fld>
             <a:endParaRPr lang="en-US"/>
           </a:p>
@@ -7526,7 +7532,7 @@
           <a:p>
             <a:fld id="{7CF0BCE0-945C-4FDF-95A1-2149B1FF5B83}" type="datetimeFigureOut">
               <a:rPr lang="en-US" smtClean="0"/>
-              <a:t>10/10/2024</a:t>
+              <a:t>10/14/2024</a:t>
             </a:fld>
             <a:endParaRPr lang="en-US"/>
           </a:p>
@@ -8638,7 +8644,7 @@
           <a:p>
             <a:fld id="{7CF0BCE0-945C-4FDF-95A1-2149B1FF5B83}" type="datetimeFigureOut">
               <a:rPr lang="en-US" smtClean="0"/>
-              <a:t>10/10/2024</a:t>
+              <a:t>10/14/2024</a:t>
             </a:fld>
             <a:endParaRPr lang="en-US"/>
           </a:p>
@@ -9446,7 +9452,7 @@
           <a:p>
             <a:fld id="{7CF0BCE0-945C-4FDF-95A1-2149B1FF5B83}" type="datetimeFigureOut">
               <a:rPr lang="en-US" smtClean="0"/>
-              <a:t>10/10/2024</a:t>
+              <a:t>10/14/2024</a:t>
             </a:fld>
             <a:endParaRPr lang="en-US"/>
           </a:p>
@@ -9730,7 +9736,7 @@
             <a:fld id="{7CF0BCE0-945C-4FDF-95A1-2149B1FF5B83}" type="datetimeFigureOut">
               <a:rPr lang="en-US" smtClean="0"/>
               <a:pPr algn="r"/>
-              <a:t>10/10/2024</a:t>
+              <a:t>10/14/2024</a:t>
             </a:fld>
             <a:endParaRPr lang="en-US" dirty="0"/>
           </a:p>
@@ -11360,6 +11366,1044 @@
 </p:sld>
 </file>
 
+<file path=ppt/slides/slide10.xml><?xml version="1.0" encoding="utf-8"?>
+<p:sld xmlns:a="http://schemas.openxmlformats.org/drawingml/2006/main" xmlns:r="http://schemas.openxmlformats.org/officeDocument/2006/relationships" xmlns:p="http://schemas.openxmlformats.org/presentationml/2006/main">
+  <p:cSld>
+    <p:bg>
+      <p:bgPr>
+        <a:solidFill>
+          <a:schemeClr val="bg1"/>
+        </a:solidFill>
+        <a:effectLst/>
+      </p:bgPr>
+    </p:bg>
+    <p:spTree>
+      <p:nvGrpSpPr>
+        <p:cNvPr id="1" name="">
+          <a:extLst>
+            <a:ext uri="{FF2B5EF4-FFF2-40B4-BE49-F238E27FC236}">
+              <a16:creationId xmlns:a16="http://schemas.microsoft.com/office/drawing/2014/main" id="{389D9BC1-D8C1-896F-036E-5AEC95AF3389}"/>
+            </a:ext>
+          </a:extLst>
+        </p:cNvPr>
+        <p:cNvGrpSpPr/>
+        <p:nvPr/>
+      </p:nvGrpSpPr>
+      <p:grpSpPr>
+        <a:xfrm>
+          <a:off x="0" y="0"/>
+          <a:ext cx="0" cy="0"/>
+          <a:chOff x="0" y="0"/>
+          <a:chExt cx="0" cy="0"/>
+        </a:xfrm>
+      </p:grpSpPr>
+      <p:sp useBgFill="1">
+        <p:nvSpPr>
+          <p:cNvPr id="10" name="Rectangle 9">
+            <a:extLst>
+              <a:ext uri="{FF2B5EF4-FFF2-40B4-BE49-F238E27FC236}">
+                <a16:creationId xmlns:a16="http://schemas.microsoft.com/office/drawing/2014/main" id="{7D2FD795-8DF5-44F0-8664-4D8F626DD85A}"/>
+              </a:ext>
+              <a:ext uri="{C183D7F6-B498-43B3-948B-1728B52AA6E4}">
+                <adec:decorative xmlns:adec="http://schemas.microsoft.com/office/drawing/2017/decorative" val="1"/>
+              </a:ext>
+            </a:extLst>
+          </p:cNvPr>
+          <p:cNvSpPr>
+            <a:spLocks noGrp="1" noRot="1" noChangeAspect="1" noMove="1" noResize="1" noEditPoints="1" noAdjustHandles="1" noChangeArrowheads="1" noChangeShapeType="1" noTextEdit="1"/>
+          </p:cNvSpPr>
+          <p:nvPr>
+            <p:extLst>
+              <p:ext uri="{386F3935-93C4-4BCD-93E2-E3B085C9AB24}">
+                <p16:designElem xmlns:p16="http://schemas.microsoft.com/office/powerpoint/2015/main" val="1"/>
+              </p:ext>
+            </p:extLst>
+          </p:nvPr>
+        </p:nvSpPr>
+        <p:spPr>
+          <a:xfrm>
+            <a:off x="0" y="0"/>
+            <a:ext cx="12192000" cy="6858000"/>
+          </a:xfrm>
+          <a:prstGeom prst="rect">
+            <a:avLst/>
+          </a:prstGeom>
+          <a:ln w="12700" cap="flat" cmpd="sng" algn="ctr">
+            <a:noFill/>
+            <a:prstDash val="solid"/>
+            <a:miter lim="800000"/>
+          </a:ln>
+          <a:effectLst/>
+          <a:extLst>
+            <a:ext uri="{91240B29-F687-4F45-9708-019B960494DF}">
+              <a14:hiddenLine xmlns:a14="http://schemas.microsoft.com/office/drawing/2010/main" w="12700" cap="flat" cmpd="sng" algn="ctr">
+                <a:solidFill>
+                  <a:schemeClr val="accent1">
+                    <a:shade val="50000"/>
+                  </a:schemeClr>
+                </a:solidFill>
+                <a:prstDash val="solid"/>
+                <a:miter lim="800000"/>
+              </a14:hiddenLine>
+            </a:ext>
+          </a:extLst>
+        </p:spPr>
+        <p:style>
+          <a:lnRef idx="2">
+            <a:schemeClr val="accent1">
+              <a:shade val="50000"/>
+            </a:schemeClr>
+          </a:lnRef>
+          <a:fillRef idx="1">
+            <a:schemeClr val="accent1"/>
+          </a:fillRef>
+          <a:effectRef idx="0">
+            <a:schemeClr val="accent1"/>
+          </a:effectRef>
+          <a:fontRef idx="minor">
+            <a:schemeClr val="lt1"/>
+          </a:fontRef>
+        </p:style>
+        <p:txBody>
+          <a:bodyPr rtlCol="0" anchor="ctr"/>
+          <a:lstStyle/>
+          <a:p>
+            <a:pPr algn="ctr"/>
+            <a:endParaRPr lang="en-US"/>
+          </a:p>
+        </p:txBody>
+      </p:sp>
+      <p:grpSp>
+        <p:nvGrpSpPr>
+          <p:cNvPr id="12" name="Group 11">
+            <a:extLst>
+              <a:ext uri="{FF2B5EF4-FFF2-40B4-BE49-F238E27FC236}">
+                <a16:creationId xmlns:a16="http://schemas.microsoft.com/office/drawing/2014/main" id="{7C6B683D-13FA-4605-8648-01FC9C82FEC8}"/>
+              </a:ext>
+              <a:ext uri="{C183D7F6-B498-43B3-948B-1728B52AA6E4}">
+                <adec:decorative xmlns:adec="http://schemas.microsoft.com/office/drawing/2017/decorative" val="1"/>
+              </a:ext>
+            </a:extLst>
+          </p:cNvPr>
+          <p:cNvGrpSpPr>
+            <a:grpSpLocks noGrp="1" noUngrp="1" noRot="1" noChangeAspect="1" noMove="1" noResize="1"/>
+          </p:cNvGrpSpPr>
+          <p:nvPr>
+            <p:extLst>
+              <p:ext uri="{386F3935-93C4-4BCD-93E2-E3B085C9AB24}">
+                <p16:designElem xmlns:p16="http://schemas.microsoft.com/office/powerpoint/2015/main" val="1"/>
+              </p:ext>
+            </p:extLst>
+          </p:nvPr>
+        </p:nvGrpSpPr>
+        <p:grpSpPr>
+          <a:xfrm>
+            <a:off x="1" y="0"/>
+            <a:ext cx="12191999" cy="6861600"/>
+            <a:chOff x="1" y="0"/>
+            <a:chExt cx="12191999" cy="6861600"/>
+          </a:xfrm>
+        </p:grpSpPr>
+        <p:sp>
+          <p:nvSpPr>
+            <p:cNvPr id="13" name="Rectangle 12">
+              <a:extLst>
+                <a:ext uri="{FF2B5EF4-FFF2-40B4-BE49-F238E27FC236}">
+                  <a16:creationId xmlns:a16="http://schemas.microsoft.com/office/drawing/2014/main" id="{9852A959-AA36-4E4C-940B-F33A7BE0ABCF}"/>
+                </a:ext>
+                <a:ext uri="{C183D7F6-B498-43B3-948B-1728B52AA6E4}">
+                  <adec:decorative xmlns:adec="http://schemas.microsoft.com/office/drawing/2017/decorative" val="1"/>
+                </a:ext>
+              </a:extLst>
+            </p:cNvPr>
+            <p:cNvSpPr>
+              <a:spLocks noChangeAspect="1"/>
+            </p:cNvSpPr>
+            <p:nvPr>
+              <p:extLst>
+                <p:ext uri="{386F3935-93C4-4BCD-93E2-E3B085C9AB24}">
+                  <p16:designElem xmlns:p16="http://schemas.microsoft.com/office/powerpoint/2015/main" val="1"/>
+                </p:ext>
+              </p:extLst>
+            </p:nvPr>
+          </p:nvSpPr>
+          <p:spPr>
+            <a:xfrm rot="16200000">
+              <a:off x="1" y="1640114"/>
+              <a:ext cx="5217886" cy="5217886"/>
+            </a:xfrm>
+            <a:prstGeom prst="rect">
+              <a:avLst/>
+            </a:prstGeom>
+            <a:gradFill flip="none" rotWithShape="1">
+              <a:gsLst>
+                <a:gs pos="0">
+                  <a:schemeClr val="accent2">
+                    <a:alpha val="60000"/>
+                  </a:schemeClr>
+                </a:gs>
+                <a:gs pos="60000">
+                  <a:schemeClr val="accent2">
+                    <a:alpha val="0"/>
+                  </a:schemeClr>
+                </a:gs>
+              </a:gsLst>
+              <a:path path="circle">
+                <a:fillToRect r="100000" b="100000"/>
+              </a:path>
+              <a:tileRect l="-100000" t="-100000"/>
+            </a:gradFill>
+            <a:ln w="12700" cap="flat" cmpd="sng" algn="ctr">
+              <a:noFill/>
+              <a:prstDash val="solid"/>
+              <a:miter lim="800000"/>
+            </a:ln>
+            <a:effectLst/>
+          </p:spPr>
+          <p:style>
+            <a:lnRef idx="2">
+              <a:schemeClr val="accent1">
+                <a:shade val="50000"/>
+              </a:schemeClr>
+            </a:lnRef>
+            <a:fillRef idx="1">
+              <a:schemeClr val="accent1"/>
+            </a:fillRef>
+            <a:effectRef idx="0">
+              <a:schemeClr val="accent1"/>
+            </a:effectRef>
+            <a:fontRef idx="minor">
+              <a:schemeClr val="lt1"/>
+            </a:fontRef>
+          </p:style>
+          <p:txBody>
+            <a:bodyPr rtlCol="0" anchor="ctr"/>
+            <a:lstStyle/>
+            <a:p>
+              <a:pPr algn="ctr"/>
+              <a:endParaRPr lang="en-US"/>
+            </a:p>
+          </p:txBody>
+        </p:sp>
+        <p:sp>
+          <p:nvSpPr>
+            <p:cNvPr id="14" name="Oval 13">
+              <a:extLst>
+                <a:ext uri="{FF2B5EF4-FFF2-40B4-BE49-F238E27FC236}">
+                  <a16:creationId xmlns:a16="http://schemas.microsoft.com/office/drawing/2014/main" id="{FFFC38A9-EA65-4BD6-A6E1-CAD07CCB8105}"/>
+                </a:ext>
+                <a:ext uri="{C183D7F6-B498-43B3-948B-1728B52AA6E4}">
+                  <adec:decorative xmlns:adec="http://schemas.microsoft.com/office/drawing/2017/decorative" val="1"/>
+                </a:ext>
+              </a:extLst>
+            </p:cNvPr>
+            <p:cNvSpPr>
+              <a:spLocks noChangeAspect="1"/>
+            </p:cNvSpPr>
+            <p:nvPr>
+              <p:extLst>
+                <p:ext uri="{386F3935-93C4-4BCD-93E2-E3B085C9AB24}">
+                  <p16:designElem xmlns:p16="http://schemas.microsoft.com/office/powerpoint/2015/main" val="1"/>
+                </p:ext>
+              </p:extLst>
+            </p:nvPr>
+          </p:nvSpPr>
+          <p:spPr>
+            <a:xfrm>
+              <a:off x="6384514" y="0"/>
+              <a:ext cx="4320000" cy="4320000"/>
+            </a:xfrm>
+            <a:prstGeom prst="ellipse">
+              <a:avLst/>
+            </a:prstGeom>
+            <a:solidFill>
+              <a:schemeClr val="accent3">
+                <a:alpha val="96000"/>
+              </a:schemeClr>
+            </a:solidFill>
+            <a:ln>
+              <a:noFill/>
+            </a:ln>
+            <a:effectLst>
+              <a:softEdge rad="1016000"/>
+            </a:effectLst>
+          </p:spPr>
+          <p:style>
+            <a:lnRef idx="2">
+              <a:schemeClr val="accent1">
+                <a:shade val="50000"/>
+              </a:schemeClr>
+            </a:lnRef>
+            <a:fillRef idx="1">
+              <a:schemeClr val="accent1"/>
+            </a:fillRef>
+            <a:effectRef idx="0">
+              <a:schemeClr val="accent1"/>
+            </a:effectRef>
+            <a:fontRef idx="minor">
+              <a:schemeClr val="lt1"/>
+            </a:fontRef>
+          </p:style>
+          <p:txBody>
+            <a:bodyPr rtlCol="0" anchor="ctr"/>
+            <a:lstStyle/>
+            <a:p>
+              <a:pPr algn="ctr"/>
+              <a:endParaRPr lang="en-US"/>
+            </a:p>
+          </p:txBody>
+        </p:sp>
+        <p:sp>
+          <p:nvSpPr>
+            <p:cNvPr id="15" name="Oval 14">
+              <a:extLst>
+                <a:ext uri="{FF2B5EF4-FFF2-40B4-BE49-F238E27FC236}">
+                  <a16:creationId xmlns:a16="http://schemas.microsoft.com/office/drawing/2014/main" id="{F9E36CA9-9013-4306-B36F-2E349B6FEDB6}"/>
+                </a:ext>
+                <a:ext uri="{C183D7F6-B498-43B3-948B-1728B52AA6E4}">
+                  <adec:decorative xmlns:adec="http://schemas.microsoft.com/office/drawing/2017/decorative" val="1"/>
+                </a:ext>
+              </a:extLst>
+            </p:cNvPr>
+            <p:cNvSpPr>
+              <a:spLocks noChangeAspect="1"/>
+            </p:cNvSpPr>
+            <p:nvPr>
+              <p:extLst>
+                <p:ext uri="{386F3935-93C4-4BCD-93E2-E3B085C9AB24}">
+                  <p16:designElem xmlns:p16="http://schemas.microsoft.com/office/powerpoint/2015/main" val="1"/>
+                </p:ext>
+              </p:extLst>
+            </p:nvPr>
+          </p:nvSpPr>
+          <p:spPr>
+            <a:xfrm>
+              <a:off x="6119057" y="1230054"/>
+              <a:ext cx="5506886" cy="5506886"/>
+            </a:xfrm>
+            <a:prstGeom prst="ellipse">
+              <a:avLst/>
+            </a:prstGeom>
+            <a:solidFill>
+              <a:schemeClr val="accent2">
+                <a:alpha val="60000"/>
+              </a:schemeClr>
+            </a:solidFill>
+            <a:ln>
+              <a:noFill/>
+            </a:ln>
+            <a:effectLst>
+              <a:softEdge rad="1270000"/>
+            </a:effectLst>
+          </p:spPr>
+          <p:style>
+            <a:lnRef idx="2">
+              <a:schemeClr val="accent1">
+                <a:shade val="50000"/>
+              </a:schemeClr>
+            </a:lnRef>
+            <a:fillRef idx="1">
+              <a:schemeClr val="accent1"/>
+            </a:fillRef>
+            <a:effectRef idx="0">
+              <a:schemeClr val="accent1"/>
+            </a:effectRef>
+            <a:fontRef idx="minor">
+              <a:schemeClr val="lt1"/>
+            </a:fontRef>
+          </p:style>
+          <p:txBody>
+            <a:bodyPr rtlCol="0" anchor="ctr"/>
+            <a:lstStyle/>
+            <a:p>
+              <a:pPr algn="ctr"/>
+              <a:endParaRPr lang="en-US" dirty="0"/>
+            </a:p>
+          </p:txBody>
+        </p:sp>
+        <p:grpSp>
+          <p:nvGrpSpPr>
+            <p:cNvPr id="16" name="Group 15">
+              <a:extLst>
+                <a:ext uri="{FF2B5EF4-FFF2-40B4-BE49-F238E27FC236}">
+                  <a16:creationId xmlns:a16="http://schemas.microsoft.com/office/drawing/2014/main" id="{CE8D3FFE-4362-43F6-99D3-1B83F7AD5946}"/>
+                </a:ext>
+                <a:ext uri="{C183D7F6-B498-43B3-948B-1728B52AA6E4}">
+                  <adec:decorative xmlns:adec="http://schemas.microsoft.com/office/drawing/2017/decorative" val="1"/>
+                </a:ext>
+              </a:extLst>
+            </p:cNvPr>
+            <p:cNvGrpSpPr>
+              <a:grpSpLocks noChangeAspect="1"/>
+            </p:cNvGrpSpPr>
+            <p:nvPr>
+              <p:extLst>
+                <p:ext uri="{386F3935-93C4-4BCD-93E2-E3B085C9AB24}">
+                  <p16:designElem xmlns:p16="http://schemas.microsoft.com/office/powerpoint/2015/main" val="1"/>
+                </p:ext>
+              </p:extLst>
+            </p:nvPr>
+          </p:nvGrpSpPr>
+          <p:grpSpPr>
+            <a:xfrm>
+              <a:off x="690092" y="0"/>
+              <a:ext cx="10800000" cy="6858000"/>
+              <a:chOff x="2328000" y="0"/>
+              <a:chExt cx="2880000" cy="1440000"/>
+            </a:xfrm>
+          </p:grpSpPr>
+          <p:sp>
+            <p:nvSpPr>
+              <p:cNvPr id="21" name="Rectangle 20">
+                <a:extLst>
+                  <a:ext uri="{FF2B5EF4-FFF2-40B4-BE49-F238E27FC236}">
+                    <a16:creationId xmlns:a16="http://schemas.microsoft.com/office/drawing/2014/main" id="{F7AA39D6-8796-468A-8C18-D17C0BBF21AB}"/>
+                  </a:ext>
+                  <a:ext uri="{C183D7F6-B498-43B3-948B-1728B52AA6E4}">
+                    <adec:decorative xmlns:adec="http://schemas.microsoft.com/office/drawing/2017/decorative" val="1"/>
+                  </a:ext>
+                </a:extLst>
+              </p:cNvPr>
+              <p:cNvSpPr/>
+              <p:nvPr>
+                <p:extLst>
+                  <p:ext uri="{386F3935-93C4-4BCD-93E2-E3B085C9AB24}">
+                    <p16:designElem xmlns:p16="http://schemas.microsoft.com/office/powerpoint/2015/main" val="1"/>
+                  </p:ext>
+                </p:extLst>
+              </p:nvPr>
+            </p:nvSpPr>
+            <p:spPr>
+              <a:xfrm>
+                <a:off x="3768000" y="0"/>
+                <a:ext cx="1440000" cy="1440000"/>
+              </a:xfrm>
+              <a:prstGeom prst="rect">
+                <a:avLst/>
+              </a:prstGeom>
+              <a:gradFill flip="none" rotWithShape="1">
+                <a:gsLst>
+                  <a:gs pos="0">
+                    <a:schemeClr val="accent1"/>
+                  </a:gs>
+                  <a:gs pos="60000">
+                    <a:schemeClr val="accent1">
+                      <a:alpha val="0"/>
+                    </a:schemeClr>
+                  </a:gs>
+                </a:gsLst>
+                <a:path path="circle">
+                  <a:fillToRect r="100000" b="100000"/>
+                </a:path>
+                <a:tileRect l="-100000" t="-100000"/>
+              </a:gradFill>
+              <a:ln w="12700" cap="flat" cmpd="sng" algn="ctr">
+                <a:noFill/>
+                <a:prstDash val="solid"/>
+                <a:miter lim="800000"/>
+              </a:ln>
+              <a:effectLst/>
+            </p:spPr>
+            <p:style>
+              <a:lnRef idx="2">
+                <a:schemeClr val="accent1">
+                  <a:shade val="50000"/>
+                </a:schemeClr>
+              </a:lnRef>
+              <a:fillRef idx="1">
+                <a:schemeClr val="accent1"/>
+              </a:fillRef>
+              <a:effectRef idx="0">
+                <a:schemeClr val="accent1"/>
+              </a:effectRef>
+              <a:fontRef idx="minor">
+                <a:schemeClr val="lt1"/>
+              </a:fontRef>
+            </p:style>
+            <p:txBody>
+              <a:bodyPr rtlCol="0" anchor="ctr"/>
+              <a:lstStyle/>
+              <a:p>
+                <a:pPr algn="ctr"/>
+                <a:endParaRPr lang="en-US"/>
+              </a:p>
+            </p:txBody>
+          </p:sp>
+          <p:sp>
+            <p:nvSpPr>
+              <p:cNvPr id="22" name="Rectangle 21">
+                <a:extLst>
+                  <a:ext uri="{FF2B5EF4-FFF2-40B4-BE49-F238E27FC236}">
+                    <a16:creationId xmlns:a16="http://schemas.microsoft.com/office/drawing/2014/main" id="{75967788-298A-4B75-B02F-0625E5F84835}"/>
+                  </a:ext>
+                  <a:ext uri="{C183D7F6-B498-43B3-948B-1728B52AA6E4}">
+                    <adec:decorative xmlns:adec="http://schemas.microsoft.com/office/drawing/2017/decorative" val="1"/>
+                  </a:ext>
+                </a:extLst>
+              </p:cNvPr>
+              <p:cNvSpPr/>
+              <p:nvPr>
+                <p:extLst>
+                  <p:ext uri="{386F3935-93C4-4BCD-93E2-E3B085C9AB24}">
+                    <p16:designElem xmlns:p16="http://schemas.microsoft.com/office/powerpoint/2015/main" val="1"/>
+                  </p:ext>
+                </p:extLst>
+              </p:nvPr>
+            </p:nvSpPr>
+            <p:spPr>
+              <a:xfrm flipH="1">
+                <a:off x="2328000" y="0"/>
+                <a:ext cx="1440000" cy="1440000"/>
+              </a:xfrm>
+              <a:prstGeom prst="rect">
+                <a:avLst/>
+              </a:prstGeom>
+              <a:gradFill flip="none" rotWithShape="1">
+                <a:gsLst>
+                  <a:gs pos="0">
+                    <a:schemeClr val="accent1"/>
+                  </a:gs>
+                  <a:gs pos="60000">
+                    <a:schemeClr val="accent1">
+                      <a:alpha val="0"/>
+                    </a:schemeClr>
+                  </a:gs>
+                </a:gsLst>
+                <a:path path="circle">
+                  <a:fillToRect r="100000" b="100000"/>
+                </a:path>
+                <a:tileRect l="-100000" t="-100000"/>
+              </a:gradFill>
+              <a:ln w="12700" cap="flat" cmpd="sng" algn="ctr">
+                <a:noFill/>
+                <a:prstDash val="solid"/>
+                <a:miter lim="800000"/>
+              </a:ln>
+              <a:effectLst/>
+            </p:spPr>
+            <p:style>
+              <a:lnRef idx="2">
+                <a:schemeClr val="accent1">
+                  <a:shade val="50000"/>
+                </a:schemeClr>
+              </a:lnRef>
+              <a:fillRef idx="1">
+                <a:schemeClr val="accent1"/>
+              </a:fillRef>
+              <a:effectRef idx="0">
+                <a:schemeClr val="accent1"/>
+              </a:effectRef>
+              <a:fontRef idx="minor">
+                <a:schemeClr val="lt1"/>
+              </a:fontRef>
+            </p:style>
+            <p:txBody>
+              <a:bodyPr rtlCol="0" anchor="ctr"/>
+              <a:lstStyle/>
+              <a:p>
+                <a:pPr algn="ctr"/>
+                <a:endParaRPr lang="en-US"/>
+              </a:p>
+            </p:txBody>
+          </p:sp>
+        </p:grpSp>
+        <p:grpSp>
+          <p:nvGrpSpPr>
+            <p:cNvPr id="17" name="Group 16">
+              <a:extLst>
+                <a:ext uri="{FF2B5EF4-FFF2-40B4-BE49-F238E27FC236}">
+                  <a16:creationId xmlns:a16="http://schemas.microsoft.com/office/drawing/2014/main" id="{8D0FB4E1-29BE-427B-9999-B25351A07CB1}"/>
+                </a:ext>
+                <a:ext uri="{C183D7F6-B498-43B3-948B-1728B52AA6E4}">
+                  <adec:decorative xmlns:adec="http://schemas.microsoft.com/office/drawing/2017/decorative" val="1"/>
+                </a:ext>
+              </a:extLst>
+            </p:cNvPr>
+            <p:cNvGrpSpPr>
+              <a:grpSpLocks noChangeAspect="1"/>
+            </p:cNvGrpSpPr>
+            <p:nvPr>
+              <p:extLst>
+                <p:ext uri="{386F3935-93C4-4BCD-93E2-E3B085C9AB24}">
+                  <p16:designElem xmlns:p16="http://schemas.microsoft.com/office/powerpoint/2015/main" val="1"/>
+                </p:ext>
+              </p:extLst>
+            </p:nvPr>
+          </p:nvGrpSpPr>
+          <p:grpSpPr>
+            <a:xfrm rot="5400000">
+              <a:off x="7048499" y="1714500"/>
+              <a:ext cx="6858000" cy="3429000"/>
+              <a:chOff x="0" y="0"/>
+              <a:chExt cx="2880000" cy="1440000"/>
+            </a:xfrm>
+          </p:grpSpPr>
+          <p:sp>
+            <p:nvSpPr>
+              <p:cNvPr id="19" name="Rectangle 18">
+                <a:extLst>
+                  <a:ext uri="{FF2B5EF4-FFF2-40B4-BE49-F238E27FC236}">
+                    <a16:creationId xmlns:a16="http://schemas.microsoft.com/office/drawing/2014/main" id="{39914662-C165-4AD1-89C0-F6C47C109031}"/>
+                  </a:ext>
+                  <a:ext uri="{C183D7F6-B498-43B3-948B-1728B52AA6E4}">
+                    <adec:decorative xmlns:adec="http://schemas.microsoft.com/office/drawing/2017/decorative" val="1"/>
+                  </a:ext>
+                </a:extLst>
+              </p:cNvPr>
+              <p:cNvSpPr/>
+              <p:nvPr>
+                <p:extLst>
+                  <p:ext uri="{386F3935-93C4-4BCD-93E2-E3B085C9AB24}">
+                    <p16:designElem xmlns:p16="http://schemas.microsoft.com/office/powerpoint/2015/main" val="1"/>
+                  </p:ext>
+                </p:extLst>
+              </p:nvPr>
+            </p:nvSpPr>
+            <p:spPr>
+              <a:xfrm>
+                <a:off x="1440000" y="0"/>
+                <a:ext cx="1440000" cy="1440000"/>
+              </a:xfrm>
+              <a:prstGeom prst="rect">
+                <a:avLst/>
+              </a:prstGeom>
+              <a:gradFill flip="none" rotWithShape="1">
+                <a:gsLst>
+                  <a:gs pos="0">
+                    <a:schemeClr val="accent2"/>
+                  </a:gs>
+                  <a:gs pos="60000">
+                    <a:schemeClr val="accent2">
+                      <a:alpha val="0"/>
+                    </a:schemeClr>
+                  </a:gs>
+                </a:gsLst>
+                <a:path path="circle">
+                  <a:fillToRect r="100000" b="100000"/>
+                </a:path>
+                <a:tileRect l="-100000" t="-100000"/>
+              </a:gradFill>
+              <a:ln w="12700" cap="flat" cmpd="sng" algn="ctr">
+                <a:noFill/>
+                <a:prstDash val="solid"/>
+                <a:miter lim="800000"/>
+              </a:ln>
+              <a:effectLst/>
+            </p:spPr>
+            <p:style>
+              <a:lnRef idx="2">
+                <a:schemeClr val="accent1">
+                  <a:shade val="50000"/>
+                </a:schemeClr>
+              </a:lnRef>
+              <a:fillRef idx="1">
+                <a:schemeClr val="accent1"/>
+              </a:fillRef>
+              <a:effectRef idx="0">
+                <a:schemeClr val="accent1"/>
+              </a:effectRef>
+              <a:fontRef idx="minor">
+                <a:schemeClr val="lt1"/>
+              </a:fontRef>
+            </p:style>
+            <p:txBody>
+              <a:bodyPr rtlCol="0" anchor="ctr"/>
+              <a:lstStyle/>
+              <a:p>
+                <a:pPr algn="ctr"/>
+                <a:endParaRPr lang="en-US"/>
+              </a:p>
+            </p:txBody>
+          </p:sp>
+          <p:sp>
+            <p:nvSpPr>
+              <p:cNvPr id="20" name="Rectangle 19">
+                <a:extLst>
+                  <a:ext uri="{FF2B5EF4-FFF2-40B4-BE49-F238E27FC236}">
+                    <a16:creationId xmlns:a16="http://schemas.microsoft.com/office/drawing/2014/main" id="{384C8199-BC83-4D02-8937-CF9AB0F4CF1E}"/>
+                  </a:ext>
+                  <a:ext uri="{C183D7F6-B498-43B3-948B-1728B52AA6E4}">
+                    <adec:decorative xmlns:adec="http://schemas.microsoft.com/office/drawing/2017/decorative" val="1"/>
+                  </a:ext>
+                </a:extLst>
+              </p:cNvPr>
+              <p:cNvSpPr/>
+              <p:nvPr>
+                <p:extLst>
+                  <p:ext uri="{386F3935-93C4-4BCD-93E2-E3B085C9AB24}">
+                    <p16:designElem xmlns:p16="http://schemas.microsoft.com/office/powerpoint/2015/main" val="1"/>
+                  </p:ext>
+                </p:extLst>
+              </p:nvPr>
+            </p:nvSpPr>
+            <p:spPr>
+              <a:xfrm flipH="1">
+                <a:off x="0" y="0"/>
+                <a:ext cx="1440000" cy="1440000"/>
+              </a:xfrm>
+              <a:prstGeom prst="rect">
+                <a:avLst/>
+              </a:prstGeom>
+              <a:gradFill flip="none" rotWithShape="1">
+                <a:gsLst>
+                  <a:gs pos="0">
+                    <a:schemeClr val="accent2"/>
+                  </a:gs>
+                  <a:gs pos="60000">
+                    <a:schemeClr val="accent2">
+                      <a:alpha val="0"/>
+                    </a:schemeClr>
+                  </a:gs>
+                </a:gsLst>
+                <a:path path="circle">
+                  <a:fillToRect r="100000" b="100000"/>
+                </a:path>
+                <a:tileRect l="-100000" t="-100000"/>
+              </a:gradFill>
+              <a:ln w="12700" cap="flat" cmpd="sng" algn="ctr">
+                <a:noFill/>
+                <a:prstDash val="solid"/>
+                <a:miter lim="800000"/>
+              </a:ln>
+              <a:effectLst/>
+            </p:spPr>
+            <p:style>
+              <a:lnRef idx="2">
+                <a:schemeClr val="accent1">
+                  <a:shade val="50000"/>
+                </a:schemeClr>
+              </a:lnRef>
+              <a:fillRef idx="1">
+                <a:schemeClr val="accent1"/>
+              </a:fillRef>
+              <a:effectRef idx="0">
+                <a:schemeClr val="accent1"/>
+              </a:effectRef>
+              <a:fontRef idx="minor">
+                <a:schemeClr val="lt1"/>
+              </a:fontRef>
+            </p:style>
+            <p:txBody>
+              <a:bodyPr rtlCol="0" anchor="ctr"/>
+              <a:lstStyle/>
+              <a:p>
+                <a:pPr algn="ctr"/>
+                <a:endParaRPr lang="en-US"/>
+              </a:p>
+            </p:txBody>
+          </p:sp>
+        </p:grpSp>
+        <p:sp>
+          <p:nvSpPr>
+            <p:cNvPr id="18" name="Rectangle 17">
+              <a:extLst>
+                <a:ext uri="{FF2B5EF4-FFF2-40B4-BE49-F238E27FC236}">
+                  <a16:creationId xmlns:a16="http://schemas.microsoft.com/office/drawing/2014/main" id="{4A28F3F3-1D22-45C2-8627-C7E4E74BDD00}"/>
+                </a:ext>
+                <a:ext uri="{C183D7F6-B498-43B3-948B-1728B52AA6E4}">
+                  <adec:decorative xmlns:adec="http://schemas.microsoft.com/office/drawing/2017/decorative" val="1"/>
+                </a:ext>
+              </a:extLst>
+            </p:cNvPr>
+            <p:cNvSpPr>
+              <a:spLocks noChangeAspect="1"/>
+            </p:cNvSpPr>
+            <p:nvPr>
+              <p:extLst>
+                <p:ext uri="{386F3935-93C4-4BCD-93E2-E3B085C9AB24}">
+                  <p16:designElem xmlns:p16="http://schemas.microsoft.com/office/powerpoint/2015/main" val="1"/>
+                </p:ext>
+              </p:extLst>
+            </p:nvPr>
+          </p:nvSpPr>
+          <p:spPr>
+            <a:xfrm rot="10800000">
+              <a:off x="5602287" y="271887"/>
+              <a:ext cx="6589713" cy="6589713"/>
+            </a:xfrm>
+            <a:prstGeom prst="rect">
+              <a:avLst/>
+            </a:prstGeom>
+            <a:gradFill flip="none" rotWithShape="1">
+              <a:gsLst>
+                <a:gs pos="0">
+                  <a:schemeClr val="accent3"/>
+                </a:gs>
+                <a:gs pos="60000">
+                  <a:schemeClr val="accent3">
+                    <a:alpha val="0"/>
+                  </a:schemeClr>
+                </a:gs>
+              </a:gsLst>
+              <a:path path="circle">
+                <a:fillToRect r="100000" b="100000"/>
+              </a:path>
+              <a:tileRect l="-100000" t="-100000"/>
+            </a:gradFill>
+            <a:ln w="12700" cap="flat" cmpd="sng" algn="ctr">
+              <a:noFill/>
+              <a:prstDash val="solid"/>
+              <a:miter lim="800000"/>
+            </a:ln>
+            <a:effectLst/>
+          </p:spPr>
+          <p:style>
+            <a:lnRef idx="2">
+              <a:schemeClr val="accent1">
+                <a:shade val="50000"/>
+              </a:schemeClr>
+            </a:lnRef>
+            <a:fillRef idx="1">
+              <a:schemeClr val="accent1"/>
+            </a:fillRef>
+            <a:effectRef idx="0">
+              <a:schemeClr val="accent1"/>
+            </a:effectRef>
+            <a:fontRef idx="minor">
+              <a:schemeClr val="lt1"/>
+            </a:fontRef>
+          </p:style>
+          <p:txBody>
+            <a:bodyPr rtlCol="0" anchor="ctr"/>
+            <a:lstStyle/>
+            <a:p>
+              <a:pPr algn="ctr"/>
+              <a:endParaRPr lang="en-US"/>
+            </a:p>
+          </p:txBody>
+        </p:sp>
+      </p:grpSp>
+      <p:sp>
+        <p:nvSpPr>
+          <p:cNvPr id="24" name="Rectangle 23">
+            <a:extLst>
+              <a:ext uri="{FF2B5EF4-FFF2-40B4-BE49-F238E27FC236}">
+                <a16:creationId xmlns:a16="http://schemas.microsoft.com/office/drawing/2014/main" id="{9D8267F7-1115-4F9A-BEF5-BB6664BCF0DB}"/>
+              </a:ext>
+              <a:ext uri="{C183D7F6-B498-43B3-948B-1728B52AA6E4}">
+                <adec:decorative xmlns:adec="http://schemas.microsoft.com/office/drawing/2017/decorative" val="1"/>
+              </a:ext>
+            </a:extLst>
+          </p:cNvPr>
+          <p:cNvSpPr>
+            <a:spLocks noGrp="1" noRot="1" noChangeAspect="1" noMove="1" noResize="1" noEditPoints="1" noAdjustHandles="1" noChangeArrowheads="1" noChangeShapeType="1" noTextEdit="1"/>
+          </p:cNvSpPr>
+          <p:nvPr>
+            <p:extLst>
+              <p:ext uri="{386F3935-93C4-4BCD-93E2-E3B085C9AB24}">
+                <p16:designElem xmlns:p16="http://schemas.microsoft.com/office/powerpoint/2015/main" val="1"/>
+              </p:ext>
+            </p:extLst>
+          </p:nvPr>
+        </p:nvSpPr>
+        <p:spPr>
+          <a:xfrm flipH="1">
+            <a:off x="0" y="0"/>
+            <a:ext cx="12192000" cy="6858000"/>
+          </a:xfrm>
+          <a:prstGeom prst="rect">
+            <a:avLst/>
+          </a:prstGeom>
+          <a:gradFill>
+            <a:gsLst>
+              <a:gs pos="0">
+                <a:schemeClr val="bg2">
+                  <a:alpha val="40000"/>
+                </a:schemeClr>
+              </a:gs>
+              <a:gs pos="100000">
+                <a:schemeClr val="bg2">
+                  <a:alpha val="80000"/>
+                </a:schemeClr>
+              </a:gs>
+            </a:gsLst>
+            <a:lin ang="0" scaled="1"/>
+          </a:gradFill>
+          <a:ln w="12700" cap="flat" cmpd="sng" algn="ctr">
+            <a:noFill/>
+            <a:prstDash val="solid"/>
+            <a:miter lim="800000"/>
+          </a:ln>
+          <a:effectLst/>
+        </p:spPr>
+        <p:style>
+          <a:lnRef idx="2">
+            <a:schemeClr val="accent1">
+              <a:shade val="50000"/>
+            </a:schemeClr>
+          </a:lnRef>
+          <a:fillRef idx="1">
+            <a:schemeClr val="accent1"/>
+          </a:fillRef>
+          <a:effectRef idx="0">
+            <a:schemeClr val="accent1"/>
+          </a:effectRef>
+          <a:fontRef idx="minor">
+            <a:schemeClr val="lt1"/>
+          </a:fontRef>
+        </p:style>
+        <p:txBody>
+          <a:bodyPr rtlCol="0" anchor="ctr"/>
+          <a:lstStyle/>
+          <a:p>
+            <a:endParaRPr lang="en-US" dirty="0"/>
+          </a:p>
+        </p:txBody>
+      </p:sp>
+      <p:sp>
+        <p:nvSpPr>
+          <p:cNvPr id="2" name="Title 1">
+            <a:extLst>
+              <a:ext uri="{FF2B5EF4-FFF2-40B4-BE49-F238E27FC236}">
+                <a16:creationId xmlns:a16="http://schemas.microsoft.com/office/drawing/2014/main" id="{41876707-446D-0440-17EB-33B580D9C81F}"/>
+              </a:ext>
+            </a:extLst>
+          </p:cNvPr>
+          <p:cNvSpPr>
+            <a:spLocks noGrp="1"/>
+          </p:cNvSpPr>
+          <p:nvPr>
+            <p:ph type="title"/>
+          </p:nvPr>
+        </p:nvSpPr>
+        <p:spPr>
+          <a:xfrm>
+            <a:off x="7086315" y="545126"/>
+            <a:ext cx="4554821" cy="2186096"/>
+          </a:xfrm>
+        </p:spPr>
+        <p:txBody>
+          <a:bodyPr anchor="t">
+            <a:normAutofit/>
+          </a:bodyPr>
+          <a:lstStyle/>
+          <a:p>
+            <a:r>
+              <a:rPr lang="en-US" sz="3300" b="0" i="0">
+                <a:effectLst/>
+                <a:latin typeface="futura-pt-n7"/>
+              </a:rPr>
+              <a:t>Deterministic Actor and Q-Value Critic</a:t>
+            </a:r>
+            <a:br>
+              <a:rPr lang="en-US" sz="3300" b="0" i="0">
+                <a:effectLst/>
+                <a:latin typeface="futura-pt-n7"/>
+              </a:rPr>
+            </a:br>
+            <a:br>
+              <a:rPr lang="en-US" sz="3300" b="0" i="0">
+                <a:effectLst/>
+                <a:latin typeface="futura-pt-n7"/>
+              </a:rPr>
+            </a:br>
+            <a:endParaRPr lang="fa-IR" sz="3300"/>
+          </a:p>
+        </p:txBody>
+      </p:sp>
+      <p:pic>
+        <p:nvPicPr>
+          <p:cNvPr id="5" name="Picture 4">
+            <a:extLst>
+              <a:ext uri="{FF2B5EF4-FFF2-40B4-BE49-F238E27FC236}">
+                <a16:creationId xmlns:a16="http://schemas.microsoft.com/office/drawing/2014/main" id="{2B85FE4C-80D6-594B-5965-1F221B0F78FD}"/>
+              </a:ext>
+            </a:extLst>
+          </p:cNvPr>
+          <p:cNvPicPr>
+            <a:picLocks noChangeAspect="1"/>
+          </p:cNvPicPr>
+          <p:nvPr/>
+        </p:nvPicPr>
+        <p:blipFill>
+          <a:blip r:embed="rId2"/>
+          <a:stretch>
+            <a:fillRect/>
+          </a:stretch>
+        </p:blipFill>
+        <p:spPr>
+          <a:xfrm>
+            <a:off x="540000" y="1390146"/>
+            <a:ext cx="6049714" cy="4068433"/>
+          </a:xfrm>
+          <a:prstGeom prst="rect">
+            <a:avLst/>
+          </a:prstGeom>
+        </p:spPr>
+      </p:pic>
+      <p:sp>
+        <p:nvSpPr>
+          <p:cNvPr id="3" name="Content Placeholder 2">
+            <a:extLst>
+              <a:ext uri="{FF2B5EF4-FFF2-40B4-BE49-F238E27FC236}">
+                <a16:creationId xmlns:a16="http://schemas.microsoft.com/office/drawing/2014/main" id="{5F1C3E2D-3DC3-BF1C-4160-4DE5E3E72C59}"/>
+              </a:ext>
+            </a:extLst>
+          </p:cNvPr>
+          <p:cNvSpPr>
+            <a:spLocks noGrp="1"/>
+          </p:cNvSpPr>
+          <p:nvPr>
+            <p:ph idx="1"/>
+          </p:nvPr>
+        </p:nvSpPr>
+        <p:spPr>
+          <a:xfrm>
+            <a:off x="7104063" y="2947121"/>
+            <a:ext cx="4537073" cy="3361604"/>
+          </a:xfrm>
+        </p:spPr>
+        <p:txBody>
+          <a:bodyPr anchor="t">
+            <a:normAutofit/>
+          </a:bodyPr>
+          <a:lstStyle/>
+          <a:p>
+            <a:pPr>
+              <a:lnSpc>
+                <a:spcPct val="115000"/>
+              </a:lnSpc>
+            </a:pPr>
+            <a:r>
+              <a:rPr lang="en-US" sz="1400" dirty="0"/>
+              <a:t>The environment provides a reward to the agent, and the agent observes the new state of the environment.</a:t>
+            </a:r>
+          </a:p>
+          <a:p>
+            <a:pPr>
+              <a:lnSpc>
+                <a:spcPct val="115000"/>
+              </a:lnSpc>
+            </a:pPr>
+            <a:endParaRPr lang="en-US" sz="1400" dirty="0"/>
+          </a:p>
+          <a:p>
+            <a:pPr>
+              <a:lnSpc>
+                <a:spcPct val="115000"/>
+              </a:lnSpc>
+            </a:pPr>
+            <a:r>
+              <a:rPr lang="en-US" sz="1400" dirty="0"/>
+              <a:t>The actor uses the new state to determine a new action. This action and the new state are passed to the critic, which determines the value. That is, the critic estimates how much reward the agent will receive in the future from this situation. Combining this with the observed reward gives an updated estimate of the value of being in the original state.</a:t>
+            </a:r>
+            <a:endParaRPr lang="fa-IR" sz="1400" dirty="0"/>
+          </a:p>
+        </p:txBody>
+      </p:sp>
+    </p:spTree>
+    <p:extLst>
+      <p:ext uri="{BB962C8B-B14F-4D97-AF65-F5344CB8AC3E}">
+        <p14:creationId xmlns:p14="http://schemas.microsoft.com/office/powerpoint/2010/main" val="640077466"/>
+      </p:ext>
+    </p:extLst>
+  </p:cSld>
+  <p:clrMapOvr>
+    <a:masterClrMapping/>
+  </p:clrMapOvr>
+</p:sld>
+</file>
+
 <file path=ppt/slides/slide2.xml><?xml version="1.0" encoding="utf-8"?>
 <p:sld xmlns:a="http://schemas.openxmlformats.org/drawingml/2006/main" xmlns:r="http://schemas.openxmlformats.org/officeDocument/2006/relationships" xmlns:p="http://schemas.openxmlformats.org/presentationml/2006/main">
   <p:cSld>
@@ -16638,6 +17682,14 @@
 <file path=ppt/slides/slide9.xml><?xml version="1.0" encoding="utf-8"?>
 <p:sld xmlns:a="http://schemas.openxmlformats.org/drawingml/2006/main" xmlns:r="http://schemas.openxmlformats.org/officeDocument/2006/relationships" xmlns:p="http://schemas.openxmlformats.org/presentationml/2006/main">
   <p:cSld>
+    <p:bg>
+      <p:bgPr>
+        <a:solidFill>
+          <a:schemeClr val="bg1"/>
+        </a:solidFill>
+        <a:effectLst/>
+      </p:bgPr>
+    </p:bg>
     <p:spTree>
       <p:nvGrpSpPr>
         <p:cNvPr id="1" name="">
@@ -16658,6 +17710,82 @@
           <a:chExt cx="0" cy="0"/>
         </a:xfrm>
       </p:grpSpPr>
+      <p:sp useBgFill="1">
+        <p:nvSpPr>
+          <p:cNvPr id="11" name="Rectangle 10">
+            <a:extLst>
+              <a:ext uri="{FF2B5EF4-FFF2-40B4-BE49-F238E27FC236}">
+                <a16:creationId xmlns:a16="http://schemas.microsoft.com/office/drawing/2014/main" id="{182D455B-C993-4AC2-BAC2-D5C9890CEF7F}"/>
+              </a:ext>
+              <a:ext uri="{C183D7F6-B498-43B3-948B-1728B52AA6E4}">
+                <adec:decorative xmlns:adec="http://schemas.microsoft.com/office/drawing/2017/decorative" val="1"/>
+              </a:ext>
+            </a:extLst>
+          </p:cNvPr>
+          <p:cNvSpPr>
+            <a:spLocks noGrp="1" noRot="1" noChangeAspect="1" noMove="1" noResize="1" noEditPoints="1" noAdjustHandles="1" noChangeArrowheads="1" noChangeShapeType="1" noTextEdit="1"/>
+          </p:cNvSpPr>
+          <p:nvPr>
+            <p:extLst>
+              <p:ext uri="{386F3935-93C4-4BCD-93E2-E3B085C9AB24}">
+                <p16:designElem xmlns:p16="http://schemas.microsoft.com/office/powerpoint/2015/main" val="1"/>
+              </p:ext>
+            </p:extLst>
+          </p:nvPr>
+        </p:nvSpPr>
+        <p:spPr>
+          <a:xfrm>
+            <a:off x="0" y="0"/>
+            <a:ext cx="12192000" cy="6858000"/>
+          </a:xfrm>
+          <a:prstGeom prst="rect">
+            <a:avLst/>
+          </a:prstGeom>
+          <a:ln w="12700" cap="flat" cmpd="sng" algn="ctr">
+            <a:noFill/>
+            <a:prstDash val="solid"/>
+            <a:miter lim="800000"/>
+          </a:ln>
+          <a:effectLst/>
+          <a:extLst>
+            <a:ext uri="{91240B29-F687-4F45-9708-019B960494DF}">
+              <a14:hiddenLine xmlns:a14="http://schemas.microsoft.com/office/drawing/2010/main" w="12700" cap="flat" cmpd="sng" algn="ctr">
+                <a:solidFill>
+                  <a:schemeClr val="accent1">
+                    <a:shade val="50000"/>
+                  </a:schemeClr>
+                </a:solidFill>
+                <a:prstDash val="solid"/>
+                <a:miter lim="800000"/>
+              </a14:hiddenLine>
+            </a:ext>
+          </a:extLst>
+        </p:spPr>
+        <p:style>
+          <a:lnRef idx="2">
+            <a:schemeClr val="accent1">
+              <a:shade val="50000"/>
+            </a:schemeClr>
+          </a:lnRef>
+          <a:fillRef idx="1">
+            <a:schemeClr val="accent1"/>
+          </a:fillRef>
+          <a:effectRef idx="0">
+            <a:schemeClr val="accent1"/>
+          </a:effectRef>
+          <a:fontRef idx="minor">
+            <a:schemeClr val="lt1"/>
+          </a:fontRef>
+        </p:style>
+        <p:txBody>
+          <a:bodyPr rtlCol="0" anchor="ctr"/>
+          <a:lstStyle/>
+          <a:p>
+            <a:pPr algn="ctr"/>
+            <a:endParaRPr lang="en-US"/>
+          </a:p>
+        </p:txBody>
+      </p:sp>
       <p:sp>
         <p:nvSpPr>
           <p:cNvPr id="2" name="Title 1">
@@ -16677,7 +17805,7 @@
         <p:spPr>
           <a:xfrm>
             <a:off x="540000" y="540000"/>
-            <a:ext cx="4500561" cy="2181946"/>
+            <a:ext cx="4500561" cy="5768725"/>
           </a:xfrm>
         </p:spPr>
         <p:txBody>
@@ -16687,13 +17815,54 @@
           <a:lstStyle/>
           <a:p>
             <a:r>
-              <a:rPr lang="en-US" sz="3300"/>
-              <a:t>Connecting a Simulink Environment to a MATLAB Agent</a:t>
+              <a:rPr lang="en-US" sz="8800" b="0" i="0" dirty="0">
+                <a:effectLst/>
+                <a:latin typeface="futura-pt-n7"/>
+              </a:rPr>
+              <a:t>Actor-Critic Agents</a:t>
             </a:r>
-            <a:endParaRPr lang="fa-IR" sz="3300"/>
+            <a:br>
+              <a:rPr lang="en-US" sz="8800" b="0" i="0" dirty="0">
+                <a:effectLst/>
+                <a:latin typeface="futura-pt-n7"/>
+              </a:rPr>
+            </a:br>
+            <a:endParaRPr lang="fa-IR" sz="8800" dirty="0"/>
           </a:p>
         </p:txBody>
       </p:sp>
+      <p:pic>
+        <p:nvPicPr>
+          <p:cNvPr id="6" name="Picture 5" descr="A chart of a variety of colors&#10;&#10;Description automatically generated with medium confidence">
+            <a:extLst>
+              <a:ext uri="{FF2B5EF4-FFF2-40B4-BE49-F238E27FC236}">
+                <a16:creationId xmlns:a16="http://schemas.microsoft.com/office/drawing/2014/main" id="{0B1F8BBC-01E4-2CB7-824C-F939B6E09CA9}"/>
+              </a:ext>
+            </a:extLst>
+          </p:cNvPr>
+          <p:cNvPicPr>
+            <a:picLocks noChangeAspect="1"/>
+          </p:cNvPicPr>
+          <p:nvPr/>
+        </p:nvPicPr>
+        <p:blipFill>
+          <a:blip r:embed="rId2">
+            <a:alphaModFix/>
+          </a:blip>
+          <a:stretch>
+            <a:fillRect/>
+          </a:stretch>
+        </p:blipFill>
+        <p:spPr>
+          <a:xfrm>
+            <a:off x="5232400" y="744792"/>
+            <a:ext cx="6408735" cy="3140279"/>
+          </a:xfrm>
+          <a:prstGeom prst="rect">
+            <a:avLst/>
+          </a:prstGeom>
+        </p:spPr>
+      </p:pic>
       <p:sp>
         <p:nvSpPr>
           <p:cNvPr id="3" name="Content Placeholder 2">
@@ -16712,12 +17881,12 @@
         </p:nvSpPr>
         <p:spPr>
           <a:xfrm>
-            <a:off x="550863" y="2947121"/>
-            <a:ext cx="4500562" cy="3361604"/>
+            <a:off x="5232400" y="4304522"/>
+            <a:ext cx="6408738" cy="2012178"/>
           </a:xfrm>
         </p:spPr>
         <p:txBody>
-          <a:bodyPr anchor="t">
+          <a:bodyPr anchor="b">
             <a:normAutofit/>
           </a:bodyPr>
           <a:lstStyle/>
@@ -16728,64 +17897,16 @@
               </a:lnSpc>
             </a:pPr>
             <a:r>
-              <a:rPr lang="en-US" sz="1100" b="0" i="0">
+              <a:rPr lang="en-US" sz="1400" b="0" i="0" dirty="0">
                 <a:effectLst/>
                 <a:latin typeface="Arial" panose="020B0604020202020204" pitchFamily="34" charset="0"/>
               </a:rPr>
-              <a:t>The environment also needs to provide the reward. This is typically calculated from the observable variables and sometimes the actions. However, the reward may also depend on other environment variables that are not observable to the agent.</a:t>
+              <a:t>There are various types of actor-critic agents, each using a particular architecture for the actor and critic networks. Unless you are building custom neural networks for your actors and critics, you do not need to worry about the different types of actors and critic networks. Typically, you will be able to create your agent by specifying just the observations and actions, resulting in an agent with default actor and critic networks chosen for you.</a:t>
             </a:r>
-            <a:br>
-              <a:rPr lang="en-US" sz="1100"/>
-            </a:br>
-            <a:endParaRPr lang="en-US" sz="1100"/>
-          </a:p>
-          <a:p>
-            <a:pPr>
-              <a:lnSpc>
-                <a:spcPct val="115000"/>
-              </a:lnSpc>
-            </a:pPr>
-            <a:r>
-              <a:rPr lang="en-US" sz="1100" b="0" i="0">
-                <a:effectLst/>
-                <a:latin typeface="Arial" panose="020B0604020202020204" pitchFamily="34" charset="0"/>
-              </a:rPr>
-              <a:t>Similarly, the environment needs to determine whether the simulation should terminate, such as when the target reaches 0 in the dice game, or if the robot crashes into an obstacle. As with the reward, the termination condition may depend on the observable variables or other internal variables.</a:t>
-            </a:r>
-            <a:endParaRPr lang="fa-IR" sz="1100"/>
+            <a:endParaRPr lang="fa-IR" sz="1400" dirty="0"/>
           </a:p>
         </p:txBody>
       </p:sp>
-      <p:pic>
-        <p:nvPicPr>
-          <p:cNvPr id="5" name="Picture 4">
-            <a:extLst>
-              <a:ext uri="{FF2B5EF4-FFF2-40B4-BE49-F238E27FC236}">
-                <a16:creationId xmlns:a16="http://schemas.microsoft.com/office/drawing/2014/main" id="{BC8B4B65-39CF-F168-175F-92C85CA67EB3}"/>
-              </a:ext>
-            </a:extLst>
-          </p:cNvPr>
-          <p:cNvPicPr>
-            <a:picLocks noChangeAspect="1"/>
-          </p:cNvPicPr>
-          <p:nvPr/>
-        </p:nvPicPr>
-        <p:blipFill>
-          <a:blip r:embed="rId2"/>
-          <a:stretch>
-            <a:fillRect/>
-          </a:stretch>
-        </p:blipFill>
-        <p:spPr>
-          <a:xfrm>
-            <a:off x="6525000" y="2565000"/>
-            <a:ext cx="3600000" cy="1728000"/>
-          </a:xfrm>
-          <a:prstGeom prst="rect">
-            <a:avLst/>
-          </a:prstGeom>
-        </p:spPr>
-      </p:pic>
     </p:spTree>
     <p:extLst>
       <p:ext uri="{BB962C8B-B14F-4D97-AF65-F5344CB8AC3E}">
